--- a/reports/sarima_docs/sarima_list.pptx
+++ b/reports/sarima_docs/sarima_list.pptx
@@ -104,6 +104,11 @@
       </a:defRPr>
     </a:lvl9pPr>
   </p:defaultTextStyle>
+  <p:extLst>
+    <p:ext uri="{EFAFB233-063F-42B5-8137-9DF3F51BA10A}">
+      <p15:sldGuideLst xmlns:p15="http://schemas.microsoft.com/office/powerpoint/2012/main"/>
+    </p:ext>
+  </p:extLst>
 </p:presentation>
 </file>
 
@@ -238,7 +243,7 @@
           <a:p>
             <a:fld id="{8219822A-2728-48D7-B851-2B8D1CB99829}" type="datetimeFigureOut">
               <a:rPr lang="ru-RU" smtClean="0"/>
-              <a:t>28.05.2022</a:t>
+              <a:t>29.05.2022</a:t>
             </a:fld>
             <a:endParaRPr lang="ru-RU"/>
           </a:p>
@@ -408,7 +413,7 @@
           <a:p>
             <a:fld id="{8219822A-2728-48D7-B851-2B8D1CB99829}" type="datetimeFigureOut">
               <a:rPr lang="ru-RU" smtClean="0"/>
-              <a:t>28.05.2022</a:t>
+              <a:t>29.05.2022</a:t>
             </a:fld>
             <a:endParaRPr lang="ru-RU"/>
           </a:p>
@@ -588,7 +593,7 @@
           <a:p>
             <a:fld id="{8219822A-2728-48D7-B851-2B8D1CB99829}" type="datetimeFigureOut">
               <a:rPr lang="ru-RU" smtClean="0"/>
-              <a:t>28.05.2022</a:t>
+              <a:t>29.05.2022</a:t>
             </a:fld>
             <a:endParaRPr lang="ru-RU"/>
           </a:p>
@@ -758,7 +763,7 @@
           <a:p>
             <a:fld id="{8219822A-2728-48D7-B851-2B8D1CB99829}" type="datetimeFigureOut">
               <a:rPr lang="ru-RU" smtClean="0"/>
-              <a:t>28.05.2022</a:t>
+              <a:t>29.05.2022</a:t>
             </a:fld>
             <a:endParaRPr lang="ru-RU"/>
           </a:p>
@@ -1004,7 +1009,7 @@
           <a:p>
             <a:fld id="{8219822A-2728-48D7-B851-2B8D1CB99829}" type="datetimeFigureOut">
               <a:rPr lang="ru-RU" smtClean="0"/>
-              <a:t>28.05.2022</a:t>
+              <a:t>29.05.2022</a:t>
             </a:fld>
             <a:endParaRPr lang="ru-RU"/>
           </a:p>
@@ -1236,7 +1241,7 @@
           <a:p>
             <a:fld id="{8219822A-2728-48D7-B851-2B8D1CB99829}" type="datetimeFigureOut">
               <a:rPr lang="ru-RU" smtClean="0"/>
-              <a:t>28.05.2022</a:t>
+              <a:t>29.05.2022</a:t>
             </a:fld>
             <a:endParaRPr lang="ru-RU"/>
           </a:p>
@@ -1603,7 +1608,7 @@
           <a:p>
             <a:fld id="{8219822A-2728-48D7-B851-2B8D1CB99829}" type="datetimeFigureOut">
               <a:rPr lang="ru-RU" smtClean="0"/>
-              <a:t>28.05.2022</a:t>
+              <a:t>29.05.2022</a:t>
             </a:fld>
             <a:endParaRPr lang="ru-RU"/>
           </a:p>
@@ -1721,7 +1726,7 @@
           <a:p>
             <a:fld id="{8219822A-2728-48D7-B851-2B8D1CB99829}" type="datetimeFigureOut">
               <a:rPr lang="ru-RU" smtClean="0"/>
-              <a:t>28.05.2022</a:t>
+              <a:t>29.05.2022</a:t>
             </a:fld>
             <a:endParaRPr lang="ru-RU"/>
           </a:p>
@@ -1816,7 +1821,7 @@
           <a:p>
             <a:fld id="{8219822A-2728-48D7-B851-2B8D1CB99829}" type="datetimeFigureOut">
               <a:rPr lang="ru-RU" smtClean="0"/>
-              <a:t>28.05.2022</a:t>
+              <a:t>29.05.2022</a:t>
             </a:fld>
             <a:endParaRPr lang="ru-RU"/>
           </a:p>
@@ -2093,7 +2098,7 @@
           <a:p>
             <a:fld id="{8219822A-2728-48D7-B851-2B8D1CB99829}" type="datetimeFigureOut">
               <a:rPr lang="ru-RU" smtClean="0"/>
-              <a:t>28.05.2022</a:t>
+              <a:t>29.05.2022</a:t>
             </a:fld>
             <a:endParaRPr lang="ru-RU"/>
           </a:p>
@@ -2346,7 +2351,7 @@
           <a:p>
             <a:fld id="{8219822A-2728-48D7-B851-2B8D1CB99829}" type="datetimeFigureOut">
               <a:rPr lang="ru-RU" smtClean="0"/>
-              <a:t>28.05.2022</a:t>
+              <a:t>29.05.2022</a:t>
             </a:fld>
             <a:endParaRPr lang="ru-RU"/>
           </a:p>
@@ -2559,7 +2564,7 @@
           <a:p>
             <a:fld id="{8219822A-2728-48D7-B851-2B8D1CB99829}" type="datetimeFigureOut">
               <a:rPr lang="ru-RU" smtClean="0"/>
-              <a:t>28.05.2022</a:t>
+              <a:t>29.05.2022</a:t>
             </a:fld>
             <a:endParaRPr lang="ru-RU"/>
           </a:p>
@@ -2972,7 +2977,7 @@
         </p:nvSpPr>
         <p:spPr>
           <a:xfrm>
-            <a:off x="6560526" y="3530451"/>
+            <a:off x="6623537" y="2464840"/>
             <a:ext cx="5237286" cy="1754326"/>
           </a:xfrm>
           <a:prstGeom prst="rect">
@@ -3014,7 +3019,7 @@
               <a:rPr lang="ru-RU" dirty="0" err="1" smtClean="0"/>
               <a:t>гипперпараметров</a:t>
             </a:r>
-            <a:endParaRPr lang="ru-RU" dirty="0"/>
+            <a:endParaRPr lang="ru-RU" dirty="0" smtClean="0"/>
           </a:p>
           <a:p>
             <a:r>
@@ -3057,8 +3062,8 @@
         </p:blipFill>
         <p:spPr>
           <a:xfrm>
-            <a:off x="548052" y="2706454"/>
-            <a:ext cx="5838092" cy="3402321"/>
+            <a:off x="548052" y="2464840"/>
+            <a:ext cx="5838092" cy="3727285"/>
           </a:xfrm>
           <a:prstGeom prst="rect">
             <a:avLst/>
@@ -3073,7 +3078,7 @@
         </p:nvSpPr>
         <p:spPr>
           <a:xfrm>
-            <a:off x="548052" y="406842"/>
+            <a:off x="548052" y="248581"/>
             <a:ext cx="11312771" cy="2031325"/>
           </a:xfrm>
           <a:prstGeom prst="rect">
@@ -3145,6 +3150,114 @@
               <a:t>Обобщает модель авторегрессии (AR) и модель скользящего среднего (MA). </a:t>
             </a:r>
             <a:endParaRPr lang="ru-RU" dirty="0"/>
+          </a:p>
+        </p:txBody>
+      </p:sp>
+      <p:sp>
+        <p:nvSpPr>
+          <p:cNvPr id="7" name="TextBox 6"/>
+          <p:cNvSpPr txBox="1"/>
+          <p:nvPr/>
+        </p:nvSpPr>
+        <p:spPr>
+          <a:xfrm>
+            <a:off x="6623537" y="4328483"/>
+            <a:ext cx="5237286" cy="2308324"/>
+          </a:xfrm>
+          <a:prstGeom prst="rect">
+            <a:avLst/>
+          </a:prstGeom>
+          <a:noFill/>
+        </p:spPr>
+        <p:txBody>
+          <a:bodyPr wrap="square" rtlCol="0">
+            <a:spAutoFit/>
+          </a:bodyPr>
+          <a:lstStyle/>
+          <a:p>
+            <a:r>
+              <a:rPr lang="ru-RU" b="1" dirty="0" smtClean="0"/>
+              <a:t>Вход:	</a:t>
+            </a:r>
+            <a:r>
+              <a:rPr lang="en-US" dirty="0" smtClean="0"/>
+              <a:t>cath</a:t>
+            </a:r>
+            <a:r>
+              <a:rPr lang="en-US" dirty="0" smtClean="0"/>
+              <a:t>.csv, ext.csv, ext2.csv</a:t>
+            </a:r>
+          </a:p>
+          <a:p>
+            <a:r>
+              <a:rPr lang="ru-RU" b="1" dirty="0" smtClean="0"/>
+              <a:t>Выход:	</a:t>
+            </a:r>
+            <a:r>
+              <a:rPr lang="en-US" dirty="0" smtClean="0"/>
+              <a:t>catch_own_sarima_predict.csv</a:t>
+            </a:r>
+          </a:p>
+          <a:p>
+            <a:r>
+              <a:rPr lang="en-US" b="1" dirty="0"/>
+              <a:t>	</a:t>
+            </a:r>
+            <a:r>
+              <a:rPr lang="en-US" dirty="0" smtClean="0"/>
+              <a:t>catch_ves_sarima_predict.csv</a:t>
+            </a:r>
+            <a:endParaRPr lang="ru-RU" b="1" dirty="0"/>
+          </a:p>
+          <a:p>
+            <a:r>
+              <a:rPr lang="en-US" b="1" dirty="0" smtClean="0"/>
+              <a:t>	</a:t>
+            </a:r>
+            <a:r>
+              <a:rPr lang="en-US" dirty="0" smtClean="0"/>
+              <a:t>catch_fish_sarima_predict.csv</a:t>
+            </a:r>
+            <a:endParaRPr lang="ru-RU" b="1" dirty="0"/>
+          </a:p>
+          <a:p>
+            <a:r>
+              <a:rPr lang="en-US" b="1" dirty="0"/>
+              <a:t>	</a:t>
+            </a:r>
+            <a:r>
+              <a:rPr lang="en-US" dirty="0" smtClean="0"/>
+              <a:t>ext_own_sarima_predict.csv</a:t>
+            </a:r>
+            <a:endParaRPr lang="ru-RU" b="1" dirty="0"/>
+          </a:p>
+          <a:p>
+            <a:r>
+              <a:rPr lang="en-US" b="1" dirty="0" smtClean="0"/>
+              <a:t>	</a:t>
+            </a:r>
+            <a:r>
+              <a:rPr lang="en-US" dirty="0" smtClean="0"/>
+              <a:t>ext_ves_sarima_predict.csv</a:t>
+            </a:r>
+            <a:endParaRPr lang="ru-RU" b="1" dirty="0"/>
+          </a:p>
+          <a:p>
+            <a:r>
+              <a:rPr lang="en-US" dirty="0" smtClean="0"/>
+              <a:t>	ext_fish_sarima_predict.csv</a:t>
+            </a:r>
+          </a:p>
+          <a:p>
+            <a:r>
+              <a:rPr lang="en-US" b="1" dirty="0"/>
+              <a:t>	</a:t>
+            </a:r>
+            <a:r>
+              <a:rPr lang="en-US" dirty="0" smtClean="0"/>
+              <a:t>ext_plat_sarima_predict.csv</a:t>
+            </a:r>
+            <a:endParaRPr lang="ru-RU" b="1" dirty="0"/>
           </a:p>
         </p:txBody>
       </p:sp>
